--- a/Week03/CommentsDataTypesMath.pptx
+++ b/Week03/CommentsDataTypesMath.pptx
@@ -226,7 +226,7 @@
           <a:p>
             <a:fld id="{19104133-B5B0-4351-8158-4F0E5EB1E2BF}" type="datetimeFigureOut">
               <a:rPr lang="en-US" smtClean="0"/>
-              <a:t>3/24/2020</a:t>
+              <a:t>9/16/2020</a:t>
             </a:fld>
             <a:endParaRPr lang="en-US"/>
           </a:p>
@@ -2284,7 +2284,7 @@
             <a:fld id="{1C2D31DE-C454-491C-B5C3-F097855E3DF7}" type="datetime4">
               <a:rPr lang="en-US" smtClean="0"/>
               <a:pPr/>
-              <a:t>March 24, 2020</a:t>
+              <a:t>September 16, 2020</a:t>
             </a:fld>
             <a:endParaRPr lang="en-US" dirty="0"/>
           </a:p>
@@ -5684,7 +5684,7 @@
           <a:p>
             <a:fld id="{5958763E-B898-436D-883D-03711491D54A}" type="datetimeFigureOut">
               <a:rPr lang="en-US" smtClean="0"/>
-              <a:t>3/24/2020</a:t>
+              <a:t>9/16/2020</a:t>
             </a:fld>
             <a:endParaRPr lang="en-US"/>
           </a:p>
@@ -5885,7 +5885,7 @@
           <a:p>
             <a:fld id="{5958763E-B898-436D-883D-03711491D54A}" type="datetimeFigureOut">
               <a:rPr lang="en-US" smtClean="0"/>
-              <a:t>3/24/2020</a:t>
+              <a:t>9/16/2020</a:t>
             </a:fld>
             <a:endParaRPr lang="en-US"/>
           </a:p>
@@ -6142,7 +6142,7 @@
           <a:p>
             <a:fld id="{5958763E-B898-436D-883D-03711491D54A}" type="datetimeFigureOut">
               <a:rPr lang="en-US" smtClean="0"/>
-              <a:t>3/24/2020</a:t>
+              <a:t>9/16/2020</a:t>
             </a:fld>
             <a:endParaRPr lang="en-US"/>
           </a:p>
@@ -6497,7 +6497,7 @@
           <a:p>
             <a:fld id="{5958763E-B898-436D-883D-03711491D54A}" type="datetimeFigureOut">
               <a:rPr lang="en-US" smtClean="0"/>
-              <a:t>3/24/2020</a:t>
+              <a:t>9/16/2020</a:t>
             </a:fld>
             <a:endParaRPr lang="en-US"/>
           </a:p>
@@ -6920,7 +6920,7 @@
           <a:p>
             <a:fld id="{5958763E-B898-436D-883D-03711491D54A}" type="datetimeFigureOut">
               <a:rPr lang="en-US" smtClean="0"/>
-              <a:t>3/24/2020</a:t>
+              <a:t>9/16/2020</a:t>
             </a:fld>
             <a:endParaRPr lang="en-US"/>
           </a:p>
@@ -7428,7 +7428,7 @@
           <a:p>
             <a:fld id="{5958763E-B898-436D-883D-03711491D54A}" type="datetimeFigureOut">
               <a:rPr lang="en-US" smtClean="0"/>
-              <a:t>3/24/2020</a:t>
+              <a:t>9/16/2020</a:t>
             </a:fld>
             <a:endParaRPr lang="en-US"/>
           </a:p>
@@ -7886,7 +7886,7 @@
           <a:p>
             <a:fld id="{5958763E-B898-436D-883D-03711491D54A}" type="datetimeFigureOut">
               <a:rPr lang="en-US" smtClean="0"/>
-              <a:t>3/24/2020</a:t>
+              <a:t>9/16/2020</a:t>
             </a:fld>
             <a:endParaRPr lang="en-US"/>
           </a:p>
@@ -8504,7 +8504,7 @@
           <a:p>
             <a:fld id="{5958763E-B898-436D-883D-03711491D54A}" type="datetimeFigureOut">
               <a:rPr lang="en-US" smtClean="0"/>
-              <a:t>3/24/2020</a:t>
+              <a:t>9/16/2020</a:t>
             </a:fld>
             <a:endParaRPr lang="en-US"/>
           </a:p>
@@ -9282,7 +9282,7 @@
           <a:p>
             <a:fld id="{5958763E-B898-436D-883D-03711491D54A}" type="datetimeFigureOut">
               <a:rPr lang="en-US" smtClean="0"/>
-              <a:t>3/24/2020</a:t>
+              <a:t>9/16/2020</a:t>
             </a:fld>
             <a:endParaRPr lang="en-US"/>
           </a:p>
@@ -9393,7 +9393,7 @@
           <a:p>
             <a:fld id="{5958763E-B898-436D-883D-03711491D54A}" type="datetimeFigureOut">
               <a:rPr lang="en-US" smtClean="0"/>
-              <a:t>3/24/2020</a:t>
+              <a:t>9/16/2020</a:t>
             </a:fld>
             <a:endParaRPr lang="en-US"/>
           </a:p>
@@ -9735,7 +9735,7 @@
             <a:fld id="{1C2D31DE-C454-491C-B5C3-F097855E3DF7}" type="datetime4">
               <a:rPr lang="en-US" smtClean="0"/>
               <a:pPr/>
-              <a:t>March 24, 2020</a:t>
+              <a:t>September 16, 2020</a:t>
             </a:fld>
             <a:endParaRPr lang="en-US" dirty="0"/>
           </a:p>
@@ -12895,7 +12895,7 @@
           <a:p>
             <a:fld id="{5958763E-B898-436D-883D-03711491D54A}" type="datetimeFigureOut">
               <a:rPr lang="en-US" smtClean="0"/>
-              <a:t>3/24/2020</a:t>
+              <a:t>9/16/2020</a:t>
             </a:fld>
             <a:endParaRPr lang="en-US"/>
           </a:p>
@@ -13026,7 +13026,7 @@
           <a:p>
             <a:fld id="{5958763E-B898-436D-883D-03711491D54A}" type="datetimeFigureOut">
               <a:rPr lang="en-US" smtClean="0"/>
-              <a:t>3/24/2020</a:t>
+              <a:t>9/16/2020</a:t>
             </a:fld>
             <a:endParaRPr lang="en-US"/>
           </a:p>
@@ -13157,7 +13157,7 @@
           <a:p>
             <a:fld id="{5958763E-B898-436D-883D-03711491D54A}" type="datetimeFigureOut">
               <a:rPr lang="en-US" smtClean="0"/>
-              <a:t>3/24/2020</a:t>
+              <a:t>9/16/2020</a:t>
             </a:fld>
             <a:endParaRPr lang="en-US"/>
           </a:p>
@@ -13288,7 +13288,7 @@
           <a:p>
             <a:fld id="{5958763E-B898-436D-883D-03711491D54A}" type="datetimeFigureOut">
               <a:rPr lang="en-US" smtClean="0"/>
-              <a:t>3/24/2020</a:t>
+              <a:t>9/16/2020</a:t>
             </a:fld>
             <a:endParaRPr lang="en-US"/>
           </a:p>
@@ -13419,7 +13419,7 @@
           <a:p>
             <a:fld id="{5958763E-B898-436D-883D-03711491D54A}" type="datetimeFigureOut">
               <a:rPr lang="en-US" smtClean="0"/>
-              <a:t>3/24/2020</a:t>
+              <a:t>9/16/2020</a:t>
             </a:fld>
             <a:endParaRPr lang="en-US"/>
           </a:p>
@@ -13550,7 +13550,7 @@
           <a:p>
             <a:fld id="{5958763E-B898-436D-883D-03711491D54A}" type="datetimeFigureOut">
               <a:rPr lang="en-US" smtClean="0"/>
-              <a:t>3/24/2020</a:t>
+              <a:t>9/16/2020</a:t>
             </a:fld>
             <a:endParaRPr lang="en-US"/>
           </a:p>
@@ -13681,7 +13681,7 @@
           <a:p>
             <a:fld id="{5958763E-B898-436D-883D-03711491D54A}" type="datetimeFigureOut">
               <a:rPr lang="en-US" smtClean="0"/>
-              <a:t>3/24/2020</a:t>
+              <a:t>9/16/2020</a:t>
             </a:fld>
             <a:endParaRPr lang="en-US"/>
           </a:p>
@@ -13812,7 +13812,7 @@
           <a:p>
             <a:fld id="{5958763E-B898-436D-883D-03711491D54A}" type="datetimeFigureOut">
               <a:rPr lang="en-US" smtClean="0"/>
-              <a:t>3/24/2020</a:t>
+              <a:t>9/16/2020</a:t>
             </a:fld>
             <a:endParaRPr lang="en-US"/>
           </a:p>
@@ -13952,7 +13952,7 @@
           <a:p>
             <a:fld id="{5958763E-B898-436D-883D-03711491D54A}" type="datetimeFigureOut">
               <a:rPr lang="en-US" smtClean="0"/>
-              <a:t>3/24/2020</a:t>
+              <a:t>9/16/2020</a:t>
             </a:fld>
             <a:endParaRPr lang="en-US"/>
           </a:p>
@@ -17313,7 +17313,7 @@
             <a:fld id="{1C2D31DE-C454-491C-B5C3-F097855E3DF7}" type="datetime4">
               <a:rPr lang="en-US" smtClean="0"/>
               <a:pPr/>
-              <a:t>March 24, 2020</a:t>
+              <a:t>September 16, 2020</a:t>
             </a:fld>
             <a:endParaRPr lang="en-US" dirty="0"/>
           </a:p>
@@ -29558,7 +29558,7 @@
           <a:p>
             <a:fld id="{5958763E-B898-436D-883D-03711491D54A}" type="datetimeFigureOut">
               <a:rPr lang="en-US" smtClean="0"/>
-              <a:t>3/24/2020</a:t>
+              <a:t>9/16/2020</a:t>
             </a:fld>
             <a:endParaRPr lang="en-US"/>
           </a:p>
@@ -29967,7 +29967,7 @@
           <a:p>
             <a:fld id="{5958763E-B898-436D-883D-03711491D54A}" type="datetimeFigureOut">
               <a:rPr lang="en-US" smtClean="0"/>
-              <a:t>3/24/2020</a:t>
+              <a:t>9/16/2020</a:t>
             </a:fld>
             <a:endParaRPr lang="en-US"/>
           </a:p>
@@ -30268,7 +30268,7 @@
           <a:p>
             <a:fld id="{5958763E-B898-436D-883D-03711491D54A}" type="datetimeFigureOut">
               <a:rPr lang="en-US" smtClean="0"/>
-              <a:t>3/24/2020</a:t>
+              <a:t>9/16/2020</a:t>
             </a:fld>
             <a:endParaRPr lang="en-US"/>
           </a:p>
@@ -30476,7 +30476,7 @@
           <a:p>
             <a:fld id="{5958763E-B898-436D-883D-03711491D54A}" type="datetimeFigureOut">
               <a:rPr lang="en-US" smtClean="0"/>
-              <a:t>3/24/2020</a:t>
+              <a:t>9/16/2020</a:t>
             </a:fld>
             <a:endParaRPr lang="en-US"/>
           </a:p>
@@ -30744,7 +30744,7 @@
           <a:p>
             <a:fld id="{5958763E-B898-436D-883D-03711491D54A}" type="datetimeFigureOut">
               <a:rPr lang="en-US" smtClean="0"/>
-              <a:t>3/24/2020</a:t>
+              <a:t>9/16/2020</a:t>
             </a:fld>
             <a:endParaRPr lang="en-US"/>
           </a:p>
@@ -31261,7 +31261,7 @@
           <a:p>
             <a:fld id="{5958763E-B898-436D-883D-03711491D54A}" type="datetimeFigureOut">
               <a:rPr lang="en-US" smtClean="0"/>
-              <a:t>3/24/2020</a:t>
+              <a:t>9/16/2020</a:t>
             </a:fld>
             <a:endParaRPr lang="en-US"/>
           </a:p>
@@ -31749,7 +31749,7 @@
           <a:p>
             <a:fld id="{5958763E-B898-436D-883D-03711491D54A}" type="datetimeFigureOut">
               <a:rPr lang="en-US" smtClean="0"/>
-              <a:t>3/24/2020</a:t>
+              <a:t>9/16/2020</a:t>
             </a:fld>
             <a:endParaRPr lang="en-US"/>
           </a:p>
@@ -32575,7 +32575,7 @@
           <a:p>
             <a:fld id="{5958763E-B898-436D-883D-03711491D54A}" type="datetimeFigureOut">
               <a:rPr lang="en-US" smtClean="0"/>
-              <a:t>3/24/2020</a:t>
+              <a:t>9/16/2020</a:t>
             </a:fld>
             <a:endParaRPr lang="en-US"/>
           </a:p>
@@ -32783,7 +32783,7 @@
           <a:p>
             <a:fld id="{5958763E-B898-436D-883D-03711491D54A}" type="datetimeFigureOut">
               <a:rPr lang="en-US" smtClean="0"/>
-              <a:t>3/24/2020</a:t>
+              <a:t>9/16/2020</a:t>
             </a:fld>
             <a:endParaRPr lang="en-US"/>
           </a:p>
@@ -33125,7 +33125,7 @@
           <a:p>
             <a:fld id="{5958763E-B898-436D-883D-03711491D54A}" type="datetimeFigureOut">
               <a:rPr lang="en-US" smtClean="0"/>
-              <a:t>3/24/2020</a:t>
+              <a:t>9/16/2020</a:t>
             </a:fld>
             <a:endParaRPr lang="en-US"/>
           </a:p>
@@ -33362,7 +33362,7 @@
           <a:p>
             <a:fld id="{5958763E-B898-436D-883D-03711491D54A}" type="datetimeFigureOut">
               <a:rPr lang="en-US" smtClean="0"/>
-              <a:t>3/24/2020</a:t>
+              <a:t>9/16/2020</a:t>
             </a:fld>
             <a:endParaRPr lang="en-US"/>
           </a:p>
@@ -33613,7 +33613,7 @@
           <a:p>
             <a:fld id="{5958763E-B898-436D-883D-03711491D54A}" type="datetimeFigureOut">
               <a:rPr lang="en-US" smtClean="0"/>
-              <a:t>3/24/2020</a:t>
+              <a:t>9/16/2020</a:t>
             </a:fld>
             <a:endParaRPr lang="en-US"/>
           </a:p>
@@ -39626,11 +39626,7 @@
           <a:p>
             <a:r>
               <a:rPr lang="en-US" dirty="0" smtClean="0"/>
-              <a:t>String to number </a:t>
-            </a:r>
-            <a:r>
-              <a:rPr lang="en-US" dirty="0" smtClean="0"/>
-              <a:t>example</a:t>
+              <a:t>String to number example</a:t>
             </a:r>
             <a:endParaRPr lang="en-US" dirty="0"/>
           </a:p>
@@ -39865,6 +39861,83 @@
           </a:prstGeom>
         </p:spPr>
       </p:pic>
+      <p:sp>
+        <p:nvSpPr>
+          <p:cNvPr id="3" name="Rectangle 2"/>
+          <p:cNvSpPr/>
+          <p:nvPr/>
+        </p:nvSpPr>
+        <p:spPr bwMode="auto">
+          <a:xfrm>
+            <a:off x="7239000" y="3543299"/>
+            <a:ext cx="3931181" cy="3202781"/>
+          </a:xfrm>
+          <a:prstGeom prst="rect">
+            <a:avLst/>
+          </a:prstGeom>
+          <a:noFill/>
+          <a:ln w="28575">
+            <a:solidFill>
+              <a:srgbClr val="CA504D"/>
+            </a:solidFill>
+            <a:miter lim="800000"/>
+            <a:headEnd type="none" w="med" len="med"/>
+            <a:tailEnd type="none" w="med" len="med"/>
+          </a:ln>
+          <a:effectLst/>
+        </p:spPr>
+        <p:style>
+          <a:lnRef idx="1">
+            <a:schemeClr val="accent2"/>
+          </a:lnRef>
+          <a:fillRef idx="3">
+            <a:schemeClr val="accent2"/>
+          </a:fillRef>
+          <a:effectRef idx="2">
+            <a:schemeClr val="accent2"/>
+          </a:effectRef>
+          <a:fontRef idx="minor">
+            <a:schemeClr val="lt1"/>
+          </a:fontRef>
+        </p:style>
+        <p:txBody>
+          <a:bodyPr rot="0" spcFirstLastPara="0" vertOverflow="overflow" horzOverflow="overflow" vert="horz" wrap="square" lIns="182880" tIns="146304" rIns="182880" bIns="146304" numCol="1" spcCol="0" rtlCol="0" fromWordArt="0" anchor="t" anchorCtr="0" forceAA="0" compatLnSpc="1">
+            <a:prstTxWarp prst="textNoShape">
+              <a:avLst/>
+            </a:prstTxWarp>
+            <a:noAutofit/>
+          </a:bodyPr>
+          <a:lstStyle/>
+          <a:p>
+            <a:pPr algn="ctr" defTabSz="932472" fontAlgn="base">
+              <a:lnSpc>
+                <a:spcPct val="90000"/>
+              </a:lnSpc>
+              <a:spcBef>
+                <a:spcPct val="0"/>
+              </a:spcBef>
+              <a:spcAft>
+                <a:spcPct val="0"/>
+              </a:spcAft>
+            </a:pPr>
+            <a:endParaRPr lang="en-US" sz="2400" dirty="0" err="1" smtClean="0">
+              <a:gradFill>
+                <a:gsLst>
+                  <a:gs pos="0">
+                    <a:srgbClr val="FFFFFF"/>
+                  </a:gs>
+                  <a:gs pos="100000">
+                    <a:srgbClr val="FFFFFF"/>
+                  </a:gs>
+                </a:gsLst>
+                <a:lin ang="5400000" scaled="0"/>
+              </a:gradFill>
+              <a:ea typeface="Segoe UI" pitchFamily="34" charset="0"/>
+              <a:cs typeface="Segoe UI" pitchFamily="34" charset="0"/>
+            </a:endParaRPr>
+          </a:p>
+        </p:txBody>
+      </p:sp>
     </p:spTree>
     <p:extLst>
       <p:ext uri="{BB962C8B-B14F-4D97-AF65-F5344CB8AC3E}">
